--- a/MachineLearning/PPT/Ch02Installations.pptx
+++ b/MachineLearning/PPT/Ch02Installations.pptx
@@ -223,7 +223,7 @@
           <a:p>
             <a:fld id="{ABD1DD95-2A29-4EE2-B225-52E901FF2496}" type="datetimeFigureOut">
               <a:rPr lang="zh-CN" altLang="en-US" smtClean="0"/>
-              <a:t>2020-1-14</a:t>
+              <a:t>2020-2-20</a:t>
             </a:fld>
             <a:endParaRPr lang="zh-CN" altLang="en-US"/>
           </a:p>
@@ -388,7 +388,7 @@
           <a:p>
             <a:fld id="{67032A47-0651-4271-B9F6-B3977625BE84}" type="datetimeFigureOut">
               <a:rPr lang="zh-CN" altLang="en-US" smtClean="0"/>
-              <a:t>2020-1-14</a:t>
+              <a:t>2020-2-20</a:t>
             </a:fld>
             <a:endParaRPr lang="zh-CN" altLang="en-US"/>
           </a:p>
@@ -837,7 +837,7 @@
                 <a:ea typeface="微软雅黑" panose="020B0503020204020204" pitchFamily="34" charset="-122"/>
                 <a:cs typeface="Vrinda" panose="020B0502040204020203" pitchFamily="34" charset="0"/>
               </a:rPr>
-              <a:t>January 14, 2020</a:t>
+              <a:t>February 20, 2020</a:t>
             </a:fld>
             <a:endParaRPr lang="zh-CN" altLang="en-US" sz="1800" b="0" dirty="0">
               <a:solidFill>
@@ -1467,7 +1467,7 @@
                 <a:ea typeface="微软雅黑" panose="020B0503020204020204" pitchFamily="34" charset="-122"/>
                 <a:cs typeface="Vrinda" panose="020B0502040204020203" pitchFamily="34" charset="0"/>
               </a:rPr>
-              <a:t>January 14, 2020</a:t>
+              <a:t>February 20, 2020</a:t>
             </a:fld>
             <a:endParaRPr lang="zh-CN" altLang="en-US" sz="1800" b="0" dirty="0">
               <a:solidFill>
@@ -2416,7 +2416,7 @@
               <a:t>2</a:t>
             </a:r>
             <a:r>
-              <a:rPr lang="zh-CN" altLang="en-US" b="1" dirty="0"/>
+              <a:rPr lang="zh-CN" altLang="en-US" b="1"/>
               <a:t>讲 </a:t>
             </a:r>
             <a:r>
@@ -2431,12 +2431,8 @@
               <a:rPr lang="en-US" altLang="zh-CN" b="1" dirty="0"/>
             </a:br>
             <a:r>
-              <a:rPr lang="zh-CN" altLang="en-US" b="1"/>
-              <a:t>环境安装</a:t>
-            </a:r>
-            <a:r>
               <a:rPr lang="zh-CN" altLang="en-US" b="1" dirty="0"/>
-              <a:t>和配置</a:t>
+              <a:t>环境安装和配置</a:t>
             </a:r>
           </a:p>
         </p:txBody>
